--- a/dataPipeLine/mini_project.pptx
+++ b/dataPipeLine/mini_project.pptx
@@ -4119,6 +4119,10 @@
               <a:rPr lang="en-GB" dirty="0" err="1" smtClean="0"/>
               <a:t>scala</a:t>
             </a:r>
+            <a:r>
+              <a:rPr lang="en-GB" dirty="0" smtClean="0"/>
+              <a:t>.</a:t>
+            </a:r>
             <a:endParaRPr lang="en-GB" dirty="0" smtClean="0"/>
           </a:p>
           <a:p>
@@ -4200,7 +4204,11 @@
             </a:r>
             <a:r>
               <a:rPr lang="en-US" dirty="0"/>
-              <a:t>document data model is a powerful way to store and retrieve data</a:t>
+              <a:t>document data model is a powerful way to store and retrieve </a:t>
+            </a:r>
+            <a:r>
+              <a:rPr lang="en-US" dirty="0" smtClean="0"/>
+              <a:t>data.</a:t>
             </a:r>
             <a:endParaRPr lang="en-GB" dirty="0"/>
           </a:p>
